--- a/1/ЛР 1.pptx
+++ b/1/ЛР 1.pptx
@@ -19,12 +19,12 @@
     <p:sldId id="266" r:id="rId13"/>
     <p:sldId id="267" r:id="rId14"/>
     <p:sldId id="269" r:id="rId15"/>
-    <p:sldId id="271" r:id="rId16"/>
-    <p:sldId id="279" r:id="rId17"/>
+    <p:sldId id="279" r:id="rId16"/>
+    <p:sldId id="271" r:id="rId17"/>
     <p:sldId id="272" r:id="rId18"/>
     <p:sldId id="273" r:id="rId19"/>
     <p:sldId id="274" r:id="rId20"/>
-    <p:sldId id="275" r:id="rId21"/>
+    <p:sldId id="281" r:id="rId21"/>
   </p:sldIdLst>
   <p:sldSz cx="12192000" cy="6858000"/>
   <p:notesSz cx="6858000" cy="9144000"/>
@@ -300,7 +300,7 @@
           <a:p>
             <a:fld id="{B7D01061-3E48-4347-B806-260EDB6D9A51}" type="datetimeFigureOut">
               <a:rPr lang="ru-RU" smtClean="0"/>
-              <a:t>12.02.2023</a:t>
+              <a:t>21.02.2023</a:t>
             </a:fld>
             <a:endParaRPr lang="ru-RU"/>
           </a:p>
@@ -630,7 +630,7 @@
           <a:p>
             <a:fld id="{B7D01061-3E48-4347-B806-260EDB6D9A51}" type="datetimeFigureOut">
               <a:rPr lang="ru-RU" smtClean="0"/>
-              <a:t>12.02.2023</a:t>
+              <a:t>21.02.2023</a:t>
             </a:fld>
             <a:endParaRPr lang="ru-RU"/>
           </a:p>
@@ -810,7 +810,7 @@
           <a:p>
             <a:fld id="{B7D01061-3E48-4347-B806-260EDB6D9A51}" type="datetimeFigureOut">
               <a:rPr lang="ru-RU" smtClean="0"/>
-              <a:t>12.02.2023</a:t>
+              <a:t>21.02.2023</a:t>
             </a:fld>
             <a:endParaRPr lang="ru-RU"/>
           </a:p>
@@ -980,7 +980,7 @@
           <a:p>
             <a:fld id="{B7D01061-3E48-4347-B806-260EDB6D9A51}" type="datetimeFigureOut">
               <a:rPr lang="ru-RU" smtClean="0"/>
-              <a:t>12.02.2023</a:t>
+              <a:t>21.02.2023</a:t>
             </a:fld>
             <a:endParaRPr lang="ru-RU"/>
           </a:p>
@@ -1257,7 +1257,7 @@
           <a:p>
             <a:fld id="{B7D01061-3E48-4347-B806-260EDB6D9A51}" type="datetimeFigureOut">
               <a:rPr lang="ru-RU" smtClean="0"/>
-              <a:t>12.02.2023</a:t>
+              <a:t>21.02.2023</a:t>
             </a:fld>
             <a:endParaRPr lang="ru-RU"/>
           </a:p>
@@ -1651,7 +1651,7 @@
           <a:p>
             <a:fld id="{B7D01061-3E48-4347-B806-260EDB6D9A51}" type="datetimeFigureOut">
               <a:rPr lang="ru-RU" smtClean="0"/>
-              <a:t>12.02.2023</a:t>
+              <a:t>21.02.2023</a:t>
             </a:fld>
             <a:endParaRPr lang="ru-RU"/>
           </a:p>
@@ -2128,7 +2128,7 @@
           <a:p>
             <a:fld id="{B7D01061-3E48-4347-B806-260EDB6D9A51}" type="datetimeFigureOut">
               <a:rPr lang="ru-RU" smtClean="0"/>
-              <a:t>12.02.2023</a:t>
+              <a:t>21.02.2023</a:t>
             </a:fld>
             <a:endParaRPr lang="ru-RU"/>
           </a:p>
@@ -2246,7 +2246,7 @@
           <a:p>
             <a:fld id="{B7D01061-3E48-4347-B806-260EDB6D9A51}" type="datetimeFigureOut">
               <a:rPr lang="ru-RU" smtClean="0"/>
-              <a:t>12.02.2023</a:t>
+              <a:t>21.02.2023</a:t>
             </a:fld>
             <a:endParaRPr lang="ru-RU"/>
           </a:p>
@@ -2341,7 +2341,7 @@
           <a:p>
             <a:fld id="{B7D01061-3E48-4347-B806-260EDB6D9A51}" type="datetimeFigureOut">
               <a:rPr lang="ru-RU" smtClean="0"/>
-              <a:t>12.02.2023</a:t>
+              <a:t>21.02.2023</a:t>
             </a:fld>
             <a:endParaRPr lang="ru-RU"/>
           </a:p>
@@ -2687,7 +2687,7 @@
           <a:p>
             <a:fld id="{B7D01061-3E48-4347-B806-260EDB6D9A51}" type="datetimeFigureOut">
               <a:rPr lang="ru-RU" smtClean="0"/>
-              <a:t>12.02.2023</a:t>
+              <a:t>21.02.2023</a:t>
             </a:fld>
             <a:endParaRPr lang="ru-RU"/>
           </a:p>
@@ -3075,7 +3075,7 @@
           <a:p>
             <a:fld id="{B7D01061-3E48-4347-B806-260EDB6D9A51}" type="datetimeFigureOut">
               <a:rPr lang="ru-RU" smtClean="0"/>
-              <a:t>12.02.2023</a:t>
+              <a:t>21.02.2023</a:t>
             </a:fld>
             <a:endParaRPr lang="ru-RU"/>
           </a:p>
@@ -3353,7 +3353,7 @@
           <a:p>
             <a:fld id="{B7D01061-3E48-4347-B806-260EDB6D9A51}" type="datetimeFigureOut">
               <a:rPr lang="ru-RU" smtClean="0"/>
-              <a:t>12.02.2023</a:t>
+              <a:t>21.02.2023</a:t>
             </a:fld>
             <a:endParaRPr lang="ru-RU"/>
           </a:p>
@@ -4142,12 +4142,12 @@
                         </a:spcAft>
                       </a:pPr>
                       <a:r>
-                        <a:rPr lang="ru-RU" sz="1500">
+                        <a:rPr lang="ru-RU" sz="1500" dirty="0">
                           <a:effectLst/>
                         </a:rPr>
                         <a:t>0</a:t>
                       </a:r>
-                      <a:endParaRPr lang="ru-RU" sz="1500">
+                      <a:endParaRPr lang="ru-RU" sz="1500" dirty="0">
                         <a:effectLst/>
                         <a:latin typeface="Times New Roman" panose="02020603050405020304" pitchFamily="18" charset="0"/>
                         <a:ea typeface="Calibri" panose="020F0502020204030204" pitchFamily="34" charset="0"/>
@@ -4201,12 +4201,12 @@
                         </a:spcAft>
                       </a:pPr>
                       <a:r>
-                        <a:rPr lang="ru-RU" sz="1500">
+                        <a:rPr lang="ru-RU" sz="1500" dirty="0">
                           <a:effectLst/>
                         </a:rPr>
                         <a:t>1</a:t>
                       </a:r>
-                      <a:endParaRPr lang="ru-RU" sz="1500">
+                      <a:endParaRPr lang="ru-RU" sz="1500" dirty="0">
                         <a:effectLst/>
                         <a:latin typeface="Times New Roman" panose="02020603050405020304" pitchFamily="18" charset="0"/>
                         <a:ea typeface="Calibri" panose="020F0502020204030204" pitchFamily="34" charset="0"/>
@@ -4227,12 +4227,12 @@
                         </a:spcAft>
                       </a:pPr>
                       <a:r>
-                        <a:rPr lang="ru-RU" sz="1500">
+                        <a:rPr lang="ru-RU" sz="1500" dirty="0">
                           <a:effectLst/>
                         </a:rPr>
                         <a:t>Ущерб от атаки есть, но он незначителен, основные финансовые операции и положение банка на рынке не затронуты</a:t>
                       </a:r>
-                      <a:endParaRPr lang="ru-RU" sz="1500">
+                      <a:endParaRPr lang="ru-RU" sz="1500" dirty="0">
                         <a:effectLst/>
                         <a:latin typeface="Times New Roman" panose="02020603050405020304" pitchFamily="18" charset="0"/>
                         <a:ea typeface="Calibri" panose="020F0502020204030204" pitchFamily="34" charset="0"/>
@@ -4260,12 +4260,12 @@
                         </a:spcAft>
                       </a:pPr>
                       <a:r>
-                        <a:rPr lang="ru-RU" sz="1500">
+                        <a:rPr lang="ru-RU" sz="1500" dirty="0">
                           <a:effectLst/>
                         </a:rPr>
                         <a:t>2</a:t>
                       </a:r>
-                      <a:endParaRPr lang="ru-RU" sz="1500">
+                      <a:endParaRPr lang="ru-RU" sz="1500" dirty="0">
                         <a:effectLst/>
                         <a:latin typeface="Times New Roman" panose="02020603050405020304" pitchFamily="18" charset="0"/>
                         <a:ea typeface="Calibri" panose="020F0502020204030204" pitchFamily="34" charset="0"/>
@@ -4319,12 +4319,12 @@
                         </a:spcAft>
                       </a:pPr>
                       <a:r>
-                        <a:rPr lang="ru-RU" sz="1500">
+                        <a:rPr lang="ru-RU" sz="1500" dirty="0">
                           <a:effectLst/>
                         </a:rPr>
                         <a:t>3</a:t>
                       </a:r>
-                      <a:endParaRPr lang="ru-RU" sz="1500">
+                      <a:endParaRPr lang="ru-RU" sz="1500" dirty="0">
                         <a:effectLst/>
                         <a:latin typeface="Times New Roman" panose="02020603050405020304" pitchFamily="18" charset="0"/>
                         <a:ea typeface="Calibri" panose="020F0502020204030204" pitchFamily="34" charset="0"/>
@@ -4378,12 +4378,12 @@
                         </a:spcAft>
                       </a:pPr>
                       <a:r>
-                        <a:rPr lang="ru-RU" sz="1500">
+                        <a:rPr lang="ru-RU" sz="1500" dirty="0">
                           <a:effectLst/>
                         </a:rPr>
                         <a:t>4</a:t>
                       </a:r>
-                      <a:endParaRPr lang="ru-RU" sz="1500">
+                      <a:endParaRPr lang="ru-RU" sz="1500" dirty="0">
                         <a:effectLst/>
                         <a:latin typeface="Times New Roman" panose="02020603050405020304" pitchFamily="18" charset="0"/>
                         <a:ea typeface="Calibri" panose="020F0502020204030204" pitchFamily="34" charset="0"/>
@@ -4437,12 +4437,12 @@
                         </a:spcAft>
                       </a:pPr>
                       <a:r>
-                        <a:rPr lang="ru-RU" sz="1500">
+                        <a:rPr lang="ru-RU" sz="1500" dirty="0">
                           <a:effectLst/>
                         </a:rPr>
                         <a:t>5</a:t>
                       </a:r>
-                      <a:endParaRPr lang="ru-RU" sz="1500">
+                      <a:endParaRPr lang="ru-RU" sz="1500" dirty="0">
                         <a:effectLst/>
                         <a:latin typeface="Times New Roman" panose="02020603050405020304" pitchFamily="18" charset="0"/>
                         <a:ea typeface="Calibri" panose="020F0502020204030204" pitchFamily="34" charset="0"/>
@@ -5084,7 +5084,7 @@
           <p:nvPr>
             <p:extLst>
               <p:ext uri="{D42A27DB-BD31-4B8C-83A1-F6EECF244321}">
-                <p14:modId xmlns:p14="http://schemas.microsoft.com/office/powerpoint/2010/main" val="2040747425"/>
+                <p14:modId xmlns:p14="http://schemas.microsoft.com/office/powerpoint/2010/main" val="2027993570"/>
               </p:ext>
             </p:extLst>
           </p:nvPr>
@@ -5278,12 +5278,15 @@
                         </a:spcAft>
                       </a:pPr>
                       <a:r>
-                        <a:rPr lang="ru-RU" sz="1200">
+                        <a:rPr lang="ru-RU" sz="1200" dirty="0" smtClean="0">
                           <a:effectLst/>
+                          <a:latin typeface="+mn-lt"/>
+                          <a:ea typeface="+mn-ea"/>
+                          <a:cs typeface="+mn-cs"/>
                         </a:rPr>
-                        <a:t>4</a:t>
+                        <a:t>5</a:t>
                       </a:r>
-                      <a:endParaRPr lang="ru-RU" sz="1200">
+                      <a:endParaRPr lang="ru-RU" sz="1200" dirty="0">
                         <a:effectLst/>
                         <a:latin typeface="Times New Roman" panose="02020603050405020304" pitchFamily="18" charset="0"/>
                         <a:ea typeface="Calibri" panose="020F0502020204030204" pitchFamily="34" charset="0"/>
@@ -5330,12 +5333,12 @@
                         </a:spcAft>
                       </a:pPr>
                       <a:r>
-                        <a:rPr lang="ru-RU" sz="1200">
+                        <a:rPr lang="ru-RU" sz="1200" dirty="0" smtClean="0">
                           <a:effectLst/>
                         </a:rPr>
-                        <a:t>0,4</a:t>
+                        <a:t>0,5</a:t>
                       </a:r>
-                      <a:endParaRPr lang="ru-RU" sz="1200">
+                      <a:endParaRPr lang="ru-RU" sz="1200" dirty="0">
                         <a:effectLst/>
                         <a:latin typeface="Times New Roman" panose="02020603050405020304" pitchFamily="18" charset="0"/>
                         <a:ea typeface="Calibri" panose="020F0502020204030204" pitchFamily="34" charset="0"/>
@@ -5930,12 +5933,12 @@
                         </a:spcAft>
                       </a:pPr>
                       <a:r>
-                        <a:rPr lang="ru-RU" sz="1200">
+                        <a:rPr lang="ru-RU" sz="1200" dirty="0">
                           <a:effectLst/>
                         </a:rPr>
                         <a:t>Взлом банкоматов</a:t>
                       </a:r>
-                      <a:endParaRPr lang="ru-RU" sz="1200">
+                      <a:endParaRPr lang="ru-RU" sz="1200" dirty="0">
                         <a:effectLst/>
                         <a:latin typeface="Times New Roman" panose="02020603050405020304" pitchFamily="18" charset="0"/>
                         <a:ea typeface="Calibri" panose="020F0502020204030204" pitchFamily="34" charset="0"/>
@@ -6067,12 +6070,12 @@
                         </a:spcAft>
                       </a:pPr>
                       <a:r>
-                        <a:rPr lang="ru-RU" sz="1200">
+                        <a:rPr lang="ru-RU" sz="1200" dirty="0">
                           <a:effectLst/>
                         </a:rPr>
                         <a:t> </a:t>
                       </a:r>
-                      <a:endParaRPr lang="ru-RU" sz="1200">
+                      <a:endParaRPr lang="ru-RU" sz="1200" dirty="0">
                         <a:effectLst/>
                         <a:latin typeface="Times New Roman" panose="02020603050405020304" pitchFamily="18" charset="0"/>
                         <a:ea typeface="Calibri" panose="020F0502020204030204" pitchFamily="34" charset="0"/>
@@ -6119,10 +6122,10 @@
                         </a:spcAft>
                       </a:pPr>
                       <a:r>
-                        <a:rPr lang="ru-RU" sz="1200" dirty="0">
+                        <a:rPr lang="ru-RU" sz="1200" dirty="0" smtClean="0">
                           <a:effectLst/>
                         </a:rPr>
-                        <a:t>3</a:t>
+                        <a:t>3,1</a:t>
                       </a:r>
                       <a:endParaRPr lang="ru-RU" sz="1200" dirty="0">
                         <a:effectLst/>
@@ -6296,25 +6299,23 @@
             <p:ph type="title"/>
           </p:nvPr>
         </p:nvSpPr>
-        <p:spPr>
-          <a:xfrm>
-            <a:off x="752763" y="288636"/>
-            <a:ext cx="9601200" cy="1485900"/>
-          </a:xfrm>
-        </p:spPr>
+        <p:spPr/>
         <p:txBody>
           <a:bodyPr/>
           <a:lstStyle/>
           <a:p>
             <a:r>
               <a:rPr lang="ru-RU" dirty="0"/>
-              <a:t>Нормативно-правовой элемент ЗИ</a:t>
+              <a:t>Э</a:t>
             </a:r>
             <a:r>
               <a:rPr lang="ru-RU" dirty="0" smtClean="0"/>
-              <a:t>:</a:t>
-            </a:r>
-            <a:endParaRPr lang="ru-RU" dirty="0"/>
+              <a:t>лементы </a:t>
+            </a:r>
+            <a:r>
+              <a:rPr lang="ru-RU" dirty="0"/>
+              <a:t>системы защиты информации</a:t>
+            </a:r>
           </a:p>
         </p:txBody>
       </p:sp>
@@ -6330,124 +6331,59 @@
         </p:nvSpPr>
         <p:spPr>
           <a:xfrm>
-            <a:off x="752763" y="1188603"/>
-            <a:ext cx="11254509" cy="5313795"/>
+            <a:off x="1436255" y="2867891"/>
+            <a:ext cx="9601200" cy="3581400"/>
           </a:xfrm>
         </p:spPr>
         <p:txBody>
-          <a:bodyPr>
-            <a:normAutofit/>
-          </a:bodyPr>
+          <a:bodyPr/>
           <a:lstStyle/>
           <a:p>
-            <a:pPr lvl="0"/>
             <a:r>
               <a:rPr lang="ru-RU" dirty="0"/>
-              <a:t>устав;</a:t>
-            </a:r>
-          </a:p>
-          <a:p>
-            <a:pPr lvl="0"/>
+              <a:t>Нормативно-правовой элемент </a:t>
+            </a:r>
+            <a:endParaRPr lang="ru-RU" dirty="0" smtClean="0"/>
+          </a:p>
+          <a:p>
             <a:r>
               <a:rPr lang="ru-RU" dirty="0"/>
-              <a:t>коллективный трудовой договор;</a:t>
-            </a:r>
-          </a:p>
-          <a:p>
-            <a:pPr lvl="0"/>
+              <a:t>Организационный </a:t>
+            </a:r>
+            <a:r>
+              <a:rPr lang="ru-RU" dirty="0" smtClean="0"/>
+              <a:t>элемент</a:t>
+            </a:r>
+          </a:p>
+          <a:p>
             <a:r>
               <a:rPr lang="ru-RU" dirty="0"/>
-              <a:t>трудовые договоры с сотрудниками банка;</a:t>
-            </a:r>
-          </a:p>
-          <a:p>
-            <a:pPr lvl="0"/>
+              <a:t>Инженерно-технический </a:t>
+            </a:r>
+            <a:r>
+              <a:rPr lang="ru-RU" dirty="0" smtClean="0"/>
+              <a:t>элемент</a:t>
+            </a:r>
+          </a:p>
+          <a:p>
             <a:r>
               <a:rPr lang="ru-RU" dirty="0"/>
-              <a:t>правила внутреннего распорядка служащих банка;</a:t>
-            </a:r>
-          </a:p>
-          <a:p>
-            <a:pPr lvl="0"/>
-            <a:r>
-              <a:rPr lang="ru-RU" dirty="0"/>
-              <a:t>должностные обязанности руководителей, специалистов и служащих банка.</a:t>
-            </a:r>
-          </a:p>
-          <a:p>
-            <a:pPr lvl="0"/>
-            <a:r>
-              <a:rPr lang="ru-RU" dirty="0"/>
-              <a:t>инструкции пользователей информационно-вычислительных сетей и баз данных;</a:t>
-            </a:r>
-          </a:p>
-          <a:p>
-            <a:pPr lvl="0"/>
-            <a:r>
-              <a:rPr lang="ru-RU" dirty="0"/>
-              <a:t>инструкции администраторов ИВС и БД;</a:t>
-            </a:r>
-          </a:p>
-          <a:p>
-            <a:pPr lvl="0"/>
-            <a:r>
-              <a:rPr lang="ru-RU" dirty="0" smtClean="0"/>
-              <a:t>концепция </a:t>
-            </a:r>
-            <a:r>
-              <a:rPr lang="ru-RU" dirty="0"/>
-              <a:t>системы защиты информации;</a:t>
-            </a:r>
-          </a:p>
-          <a:p>
-            <a:pPr lvl="0"/>
-            <a:r>
-              <a:rPr lang="ru-RU" dirty="0"/>
-              <a:t>инструкции сотрудников, допущенных к </a:t>
-            </a:r>
-            <a:r>
-              <a:rPr lang="ru-RU" dirty="0" smtClean="0"/>
-              <a:t>защищаемым сведениям</a:t>
-            </a:r>
-            <a:r>
-              <a:rPr lang="ru-RU" dirty="0"/>
-              <a:t>;</a:t>
-            </a:r>
-          </a:p>
-          <a:p>
-            <a:pPr lvl="0"/>
-            <a:r>
-              <a:rPr lang="ru-RU" dirty="0"/>
-              <a:t>инструкции сотрудников, ответственных за защиту информации; памятка сотрудника о сохранении коммерческой или иной </a:t>
-            </a:r>
-            <a:r>
-              <a:rPr lang="ru-RU" dirty="0" smtClean="0"/>
-              <a:t>тайны</a:t>
-            </a:r>
-            <a:r>
-              <a:rPr lang="ru-RU" dirty="0"/>
-              <a:t>.</a:t>
-            </a:r>
+              <a:t>Программно-аппаратный элемент </a:t>
+            </a:r>
+            <a:endParaRPr lang="ru-RU" dirty="0" smtClean="0"/>
           </a:p>
         </p:txBody>
       </p:sp>
     </p:spTree>
     <p:extLst>
       <p:ext uri="{BB962C8B-B14F-4D97-AF65-F5344CB8AC3E}">
-        <p14:creationId xmlns:p14="http://schemas.microsoft.com/office/powerpoint/2010/main" val="1067234065"/>
+        <p14:creationId xmlns:p14="http://schemas.microsoft.com/office/powerpoint/2010/main" val="3130738988"/>
       </p:ext>
     </p:extLst>
   </p:cSld>
   <p:clrMapOvr>
     <a:masterClrMapping/>
   </p:clrMapOvr>
-  <p:timing>
-    <p:tnLst>
-      <p:par>
-        <p:cTn id="1" dur="indefinite" restart="never" nodeType="tmRoot"/>
-      </p:par>
-    </p:tnLst>
-  </p:timing>
 </p:sld>
 </file>
 
@@ -6478,23 +6414,25 @@
             <p:ph type="title"/>
           </p:nvPr>
         </p:nvSpPr>
-        <p:spPr/>
+        <p:spPr>
+          <a:xfrm>
+            <a:off x="752763" y="288636"/>
+            <a:ext cx="9601200" cy="1485900"/>
+          </a:xfrm>
+        </p:spPr>
         <p:txBody>
           <a:bodyPr/>
           <a:lstStyle/>
           <a:p>
             <a:r>
               <a:rPr lang="ru-RU" dirty="0"/>
-              <a:t>Э</a:t>
+              <a:t>Нормативно-правовой элемент ЗИ</a:t>
             </a:r>
             <a:r>
               <a:rPr lang="ru-RU" dirty="0" smtClean="0"/>
-              <a:t>лементы </a:t>
-            </a:r>
-            <a:r>
-              <a:rPr lang="ru-RU" dirty="0"/>
-              <a:t>системы защиты информации</a:t>
-            </a:r>
+              <a:t>:</a:t>
+            </a:r>
+            <a:endParaRPr lang="ru-RU" dirty="0"/>
           </a:p>
         </p:txBody>
       </p:sp>
@@ -6510,59 +6448,124 @@
         </p:nvSpPr>
         <p:spPr>
           <a:xfrm>
-            <a:off x="1436255" y="2867891"/>
-            <a:ext cx="9601200" cy="3581400"/>
+            <a:off x="752763" y="1188603"/>
+            <a:ext cx="11254509" cy="5313795"/>
           </a:xfrm>
         </p:spPr>
         <p:txBody>
-          <a:bodyPr/>
+          <a:bodyPr>
+            <a:normAutofit/>
+          </a:bodyPr>
           <a:lstStyle/>
           <a:p>
+            <a:pPr lvl="0"/>
             <a:r>
               <a:rPr lang="ru-RU" dirty="0"/>
-              <a:t>Нормативно-правовой элемент </a:t>
-            </a:r>
-            <a:endParaRPr lang="ru-RU" dirty="0" smtClean="0"/>
-          </a:p>
-          <a:p>
+              <a:t>устав;</a:t>
+            </a:r>
+          </a:p>
+          <a:p>
+            <a:pPr lvl="0"/>
             <a:r>
               <a:rPr lang="ru-RU" dirty="0"/>
-              <a:t>Организационный </a:t>
-            </a:r>
+              <a:t>коллективный трудовой договор;</a:t>
+            </a:r>
+          </a:p>
+          <a:p>
+            <a:pPr lvl="0"/>
+            <a:r>
+              <a:rPr lang="ru-RU" dirty="0"/>
+              <a:t>трудовые договоры с сотрудниками банка;</a:t>
+            </a:r>
+          </a:p>
+          <a:p>
+            <a:pPr lvl="0"/>
+            <a:r>
+              <a:rPr lang="ru-RU" dirty="0"/>
+              <a:t>правила внутреннего распорядка служащих банка;</a:t>
+            </a:r>
+          </a:p>
+          <a:p>
+            <a:pPr lvl="0"/>
+            <a:r>
+              <a:rPr lang="ru-RU" dirty="0"/>
+              <a:t>должностные обязанности руководителей, специалистов и служащих банка.</a:t>
+            </a:r>
+          </a:p>
+          <a:p>
+            <a:pPr lvl="0"/>
+            <a:r>
+              <a:rPr lang="ru-RU" dirty="0"/>
+              <a:t>инструкции пользователей информационно-вычислительных сетей и баз данных;</a:t>
+            </a:r>
+          </a:p>
+          <a:p>
+            <a:pPr lvl="0"/>
+            <a:r>
+              <a:rPr lang="ru-RU" dirty="0"/>
+              <a:t>инструкции администраторов ИВС и БД;</a:t>
+            </a:r>
+          </a:p>
+          <a:p>
+            <a:pPr lvl="0"/>
             <a:r>
               <a:rPr lang="ru-RU" dirty="0" smtClean="0"/>
-              <a:t>элемент</a:t>
-            </a:r>
-          </a:p>
-          <a:p>
+              <a:t>концепция </a:t>
+            </a:r>
             <a:r>
               <a:rPr lang="ru-RU" dirty="0"/>
-              <a:t>Инженерно-технический </a:t>
+              <a:t>системы защиты информации;</a:t>
+            </a:r>
+          </a:p>
+          <a:p>
+            <a:pPr lvl="0"/>
+            <a:r>
+              <a:rPr lang="ru-RU" dirty="0"/>
+              <a:t>инструкции сотрудников, допущенных к </a:t>
             </a:r>
             <a:r>
               <a:rPr lang="ru-RU" dirty="0" smtClean="0"/>
-              <a:t>элемент</a:t>
-            </a:r>
-          </a:p>
-          <a:p>
+              <a:t>защищаемым сведениям</a:t>
+            </a:r>
             <a:r>
               <a:rPr lang="ru-RU" dirty="0"/>
-              <a:t>Программно-аппаратный элемент </a:t>
-            </a:r>
-            <a:endParaRPr lang="ru-RU" dirty="0" smtClean="0"/>
+              <a:t>;</a:t>
+            </a:r>
+          </a:p>
+          <a:p>
+            <a:pPr lvl="0"/>
+            <a:r>
+              <a:rPr lang="ru-RU" dirty="0"/>
+              <a:t>инструкции сотрудников, ответственных за защиту информации; памятка сотрудника о сохранении коммерческой или иной </a:t>
+            </a:r>
+            <a:r>
+              <a:rPr lang="ru-RU" dirty="0" smtClean="0"/>
+              <a:t>тайны</a:t>
+            </a:r>
+            <a:r>
+              <a:rPr lang="ru-RU" dirty="0"/>
+              <a:t>.</a:t>
+            </a:r>
           </a:p>
         </p:txBody>
       </p:sp>
     </p:spTree>
     <p:extLst>
       <p:ext uri="{BB962C8B-B14F-4D97-AF65-F5344CB8AC3E}">
-        <p14:creationId xmlns:p14="http://schemas.microsoft.com/office/powerpoint/2010/main" val="3130738988"/>
+        <p14:creationId xmlns:p14="http://schemas.microsoft.com/office/powerpoint/2010/main" val="1067234065"/>
       </p:ext>
     </p:extLst>
   </p:cSld>
   <p:clrMapOvr>
     <a:masterClrMapping/>
   </p:clrMapOvr>
+  <p:timing>
+    <p:tnLst>
+      <p:par>
+        <p:cTn id="1" dur="indefinite" restart="never" nodeType="tmRoot"/>
+      </p:par>
+    </p:tnLst>
+  </p:timing>
 </p:sld>
 </file>
 
@@ -7210,63 +7213,70 @@
       </p:grpSpPr>
       <p:sp>
         <p:nvSpPr>
-          <p:cNvPr id="2" name="Заголовок 1"/>
-          <p:cNvSpPr>
-            <a:spLocks noGrp="1"/>
-          </p:cNvSpPr>
-          <p:nvPr>
-            <p:ph type="title"/>
-          </p:nvPr>
-        </p:nvSpPr>
-        <p:spPr/>
-        <p:txBody>
-          <a:bodyPr/>
+          <p:cNvPr id="2" name="Прямоугольник 1"/>
+          <p:cNvSpPr/>
+          <p:nvPr/>
+        </p:nvSpPr>
+        <p:spPr>
+          <a:xfrm>
+            <a:off x="1333500" y="1695867"/>
+            <a:ext cx="10429875" cy="3170099"/>
+          </a:xfrm>
+          <a:prstGeom prst="rect">
+            <a:avLst/>
+          </a:prstGeom>
+        </p:spPr>
+        <p:txBody>
+          <a:bodyPr wrap="square">
+            <a:spAutoFit/>
+          </a:bodyPr>
           <a:lstStyle/>
           <a:p>
-            <a:r>
-              <a:rPr lang="ru-RU" dirty="0" smtClean="0"/>
-              <a:t>Выводы</a:t>
-            </a:r>
-            <a:endParaRPr lang="ru-RU" dirty="0"/>
-          </a:p>
-        </p:txBody>
-      </p:sp>
-      <p:sp>
-        <p:nvSpPr>
-          <p:cNvPr id="3" name="Объект 2"/>
-          <p:cNvSpPr>
-            <a:spLocks noGrp="1"/>
-          </p:cNvSpPr>
-          <p:nvPr>
-            <p:ph idx="1"/>
-          </p:nvPr>
-        </p:nvSpPr>
-        <p:spPr/>
-        <p:txBody>
-          <a:bodyPr/>
-          <a:lstStyle/>
-          <a:p>
-            <a:endParaRPr lang="ru-RU"/>
+            <a:pPr algn="just"/>
+            <a:r>
+              <a:rPr lang="ru-RU" sz="2000" dirty="0" smtClean="0"/>
+              <a:t>	Основной </a:t>
+            </a:r>
+            <a:r>
+              <a:rPr lang="ru-RU" sz="2000" dirty="0"/>
+              <a:t>вывод, который можно сделать из анализа развития банковской отрасли, заключается в том, что автоматизация и компьютеризация банковской деятельности (и денежного обращения в целом) продолжает возрастать. Основные изменения в банковской индустрии за последние десятилетия связаны именно с развитием информационных технологий. Можно прогнозировать дальнейшее снижение оборота наличных денег и постепенный переход на безналичные расчеты с использованием пластиковых карт, сети Интернет и удаленных терминалов управления счетом юридических лиц</a:t>
+            </a:r>
+            <a:r>
+              <a:rPr lang="ru-RU" sz="2000" dirty="0" smtClean="0"/>
+              <a:t>.</a:t>
+            </a:r>
+          </a:p>
+          <a:p>
+            <a:pPr algn="just"/>
+            <a:r>
+              <a:rPr lang="ru-RU" sz="2000" dirty="0"/>
+              <a:t/>
+            </a:r>
+            <a:br>
+              <a:rPr lang="ru-RU" sz="2000" dirty="0"/>
+            </a:br>
+            <a:r>
+              <a:rPr lang="ru-RU" sz="2000" dirty="0" smtClean="0"/>
+              <a:t>	В </a:t>
+            </a:r>
+            <a:r>
+              <a:rPr lang="ru-RU" sz="2000" dirty="0"/>
+              <a:t>связи с этим следует ожидать дальнейшее динамичное развитие средств информационной безопасности банков, поскольку их значение постоянно возрастает</a:t>
+            </a:r>
+            <a:endParaRPr lang="en-US" sz="2000" dirty="0"/>
           </a:p>
         </p:txBody>
       </p:sp>
     </p:spTree>
     <p:extLst>
       <p:ext uri="{BB962C8B-B14F-4D97-AF65-F5344CB8AC3E}">
-        <p14:creationId xmlns:p14="http://schemas.microsoft.com/office/powerpoint/2010/main" val="800573434"/>
+        <p14:creationId xmlns:p14="http://schemas.microsoft.com/office/powerpoint/2010/main" val="1415617888"/>
       </p:ext>
     </p:extLst>
   </p:cSld>
   <p:clrMapOvr>
     <a:masterClrMapping/>
   </p:clrMapOvr>
-  <p:timing>
-    <p:tnLst>
-      <p:par>
-        <p:cTn id="1" dur="indefinite" restart="never" nodeType="tmRoot"/>
-      </p:par>
-    </p:tnLst>
-  </p:timing>
 </p:sld>
 </file>
 
